--- a/cursos/Muva React.pptx
+++ b/cursos/Muva React.pptx
@@ -5,7 +5,7 @@
     <p:sldMasterId id="2147483907" r:id="rId1"/>
   </p:sldMasterIdLst>
   <p:notesMasterIdLst>
-    <p:notesMasterId r:id="rId12"/>
+    <p:notesMasterId r:id="rId16"/>
   </p:notesMasterIdLst>
   <p:sldIdLst>
     <p:sldId id="256" r:id="rId2"/>
@@ -18,6 +18,10 @@
     <p:sldId id="266" r:id="rId9"/>
     <p:sldId id="270" r:id="rId10"/>
     <p:sldId id="271" r:id="rId11"/>
+    <p:sldId id="272" r:id="rId12"/>
+    <p:sldId id="273" r:id="rId13"/>
+    <p:sldId id="274" r:id="rId14"/>
+    <p:sldId id="263" r:id="rId15"/>
   </p:sldIdLst>
   <p:sldSz cx="12192000" cy="6858000"/>
   <p:notesSz cx="6858000" cy="9144000"/>
@@ -126,7 +130,7 @@
 
 <file path=ppt/commentAuthors.xml><?xml version="1.0" encoding="utf-8"?>
 <p:cmAuthorLst xmlns:a="http://schemas.openxmlformats.org/drawingml/2006/main" xmlns:r="http://schemas.openxmlformats.org/officeDocument/2006/relationships" xmlns:p="http://schemas.openxmlformats.org/presentationml/2006/main">
-  <p:cmAuthor id="1" name="Rodrigo Marino" initials="RM" lastIdx="2" clrIdx="0">
+  <p:cmAuthor id="1" name="Rodrigo Marino" initials="RM" lastIdx="3" clrIdx="0">
     <p:extLst>
       <p:ext uri="{19B8F6BF-5375-455C-9EA6-DF929625EA0E}">
         <p15:presenceInfo xmlns:p15="http://schemas.microsoft.com/office/powerpoint/2012/main" userId="0264e5c1d6a16209" providerId="Windows Live"/>
@@ -138,7 +142,7 @@
 
 <file path=ppt/comments/comment1.xml><?xml version="1.0" encoding="utf-8"?>
 <p:cmLst xmlns:a="http://schemas.openxmlformats.org/drawingml/2006/main" xmlns:r="http://schemas.openxmlformats.org/officeDocument/2006/relationships" xmlns:p="http://schemas.openxmlformats.org/presentationml/2006/main">
-  <p:cm authorId="1" dt="2022-10-13T14:34:41.203" idx="2">
+  <p:cm authorId="1" dt="2022-10-13T14:34:41.203" idx="3">
     <p:pos x="10" y="10"/>
     <p:text/>
     <p:extLst>
@@ -232,7 +236,7 @@
           <a:p>
             <a:fld id="{D9FCC3FB-36DE-4DC6-A2F3-17EB041C194F}" type="datetimeFigureOut">
               <a:rPr lang="es-ES" smtClean="0"/>
-              <a:t>15/10/2022</a:t>
+              <a:t>17/10/2022</a:t>
             </a:fld>
             <a:endParaRPr lang="es-ES"/>
           </a:p>
@@ -730,7 +734,7 @@
           <a:p>
             <a:fld id="{E8007819-2BD5-497B-A974-B250CE37EE8F}" type="datetimeFigureOut">
               <a:rPr lang="es-ES" smtClean="0"/>
-              <a:t>15/10/2022</a:t>
+              <a:t>17/10/2022</a:t>
             </a:fld>
             <a:endParaRPr lang="es-ES"/>
           </a:p>
@@ -928,7 +932,7 @@
           <a:p>
             <a:fld id="{E8007819-2BD5-497B-A974-B250CE37EE8F}" type="datetimeFigureOut">
               <a:rPr lang="es-ES" smtClean="0"/>
-              <a:t>15/10/2022</a:t>
+              <a:t>17/10/2022</a:t>
             </a:fld>
             <a:endParaRPr lang="es-ES"/>
           </a:p>
@@ -1136,7 +1140,7 @@
           <a:p>
             <a:fld id="{E8007819-2BD5-497B-A974-B250CE37EE8F}" type="datetimeFigureOut">
               <a:rPr lang="es-ES" smtClean="0"/>
-              <a:t>15/10/2022</a:t>
+              <a:t>17/10/2022</a:t>
             </a:fld>
             <a:endParaRPr lang="es-ES"/>
           </a:p>
@@ -1334,7 +1338,7 @@
           <a:p>
             <a:fld id="{E8007819-2BD5-497B-A974-B250CE37EE8F}" type="datetimeFigureOut">
               <a:rPr lang="es-ES" smtClean="0"/>
-              <a:t>15/10/2022</a:t>
+              <a:t>17/10/2022</a:t>
             </a:fld>
             <a:endParaRPr lang="es-ES"/>
           </a:p>
@@ -1609,7 +1613,7 @@
           <a:p>
             <a:fld id="{E8007819-2BD5-497B-A974-B250CE37EE8F}" type="datetimeFigureOut">
               <a:rPr lang="es-ES" smtClean="0"/>
-              <a:t>15/10/2022</a:t>
+              <a:t>17/10/2022</a:t>
             </a:fld>
             <a:endParaRPr lang="es-ES"/>
           </a:p>
@@ -1874,7 +1878,7 @@
           <a:p>
             <a:fld id="{E8007819-2BD5-497B-A974-B250CE37EE8F}" type="datetimeFigureOut">
               <a:rPr lang="es-ES" smtClean="0"/>
-              <a:t>15/10/2022</a:t>
+              <a:t>17/10/2022</a:t>
             </a:fld>
             <a:endParaRPr lang="es-ES"/>
           </a:p>
@@ -2286,7 +2290,7 @@
           <a:p>
             <a:fld id="{E8007819-2BD5-497B-A974-B250CE37EE8F}" type="datetimeFigureOut">
               <a:rPr lang="es-ES" smtClean="0"/>
-              <a:t>15/10/2022</a:t>
+              <a:t>17/10/2022</a:t>
             </a:fld>
             <a:endParaRPr lang="es-ES"/>
           </a:p>
@@ -2427,7 +2431,7 @@
           <a:p>
             <a:fld id="{E8007819-2BD5-497B-A974-B250CE37EE8F}" type="datetimeFigureOut">
               <a:rPr lang="es-ES" smtClean="0"/>
-              <a:t>15/10/2022</a:t>
+              <a:t>17/10/2022</a:t>
             </a:fld>
             <a:endParaRPr lang="es-ES"/>
           </a:p>
@@ -2540,7 +2544,7 @@
           <a:p>
             <a:fld id="{E8007819-2BD5-497B-A974-B250CE37EE8F}" type="datetimeFigureOut">
               <a:rPr lang="es-ES" smtClean="0"/>
-              <a:t>15/10/2022</a:t>
+              <a:t>17/10/2022</a:t>
             </a:fld>
             <a:endParaRPr lang="es-ES"/>
           </a:p>
@@ -2851,7 +2855,7 @@
           <a:p>
             <a:fld id="{E8007819-2BD5-497B-A974-B250CE37EE8F}" type="datetimeFigureOut">
               <a:rPr lang="es-ES" smtClean="0"/>
-              <a:t>15/10/2022</a:t>
+              <a:t>17/10/2022</a:t>
             </a:fld>
             <a:endParaRPr lang="es-ES"/>
           </a:p>
@@ -3139,7 +3143,7 @@
           <a:p>
             <a:fld id="{E8007819-2BD5-497B-A974-B250CE37EE8F}" type="datetimeFigureOut">
               <a:rPr lang="es-ES" smtClean="0"/>
-              <a:t>15/10/2022</a:t>
+              <a:t>17/10/2022</a:t>
             </a:fld>
             <a:endParaRPr lang="es-ES"/>
           </a:p>
@@ -3380,7 +3384,7 @@
           <a:p>
             <a:fld id="{E8007819-2BD5-497B-A974-B250CE37EE8F}" type="datetimeFigureOut">
               <a:rPr lang="es-ES" smtClean="0"/>
-              <a:t>15/10/2022</a:t>
+              <a:t>17/10/2022</a:t>
             </a:fld>
             <a:endParaRPr lang="es-ES"/>
           </a:p>
@@ -4504,6 +4508,1379 @@
     <p:extLst>
       <p:ext uri="{BB962C8B-B14F-4D97-AF65-F5344CB8AC3E}">
         <p14:creationId xmlns:p14="http://schemas.microsoft.com/office/powerpoint/2010/main" val="1689054147"/>
+      </p:ext>
+    </p:extLst>
+  </p:cSld>
+  <p:clrMapOvr>
+    <a:masterClrMapping/>
+  </p:clrMapOvr>
+</p:sld>
+</file>
+
+<file path=ppt/slides/slide11.xml><?xml version="1.0" encoding="utf-8"?>
+<p:sld xmlns:a="http://schemas.openxmlformats.org/drawingml/2006/main" xmlns:r="http://schemas.openxmlformats.org/officeDocument/2006/relationships" xmlns:p="http://schemas.openxmlformats.org/presentationml/2006/main">
+  <p:cSld>
+    <p:spTree>
+      <p:nvGrpSpPr>
+        <p:cNvPr id="1" name=""/>
+        <p:cNvGrpSpPr/>
+        <p:nvPr/>
+      </p:nvGrpSpPr>
+      <p:grpSpPr>
+        <a:xfrm>
+          <a:off x="0" y="0"/>
+          <a:ext cx="0" cy="0"/>
+          <a:chOff x="0" y="0"/>
+          <a:chExt cx="0" cy="0"/>
+        </a:xfrm>
+      </p:grpSpPr>
+      <p:pic>
+        <p:nvPicPr>
+          <p:cNvPr id="8" name="Imagen 7">
+            <a:extLst>
+              <a:ext uri="{FF2B5EF4-FFF2-40B4-BE49-F238E27FC236}">
+                <a16:creationId xmlns:a16="http://schemas.microsoft.com/office/drawing/2014/main" id="{AB6E2B90-257E-686E-8CBE-D04E1B78D741}"/>
+              </a:ext>
+            </a:extLst>
+          </p:cNvPr>
+          <p:cNvPicPr>
+            <a:picLocks noChangeAspect="1"/>
+          </p:cNvPicPr>
+          <p:nvPr/>
+        </p:nvPicPr>
+        <p:blipFill rotWithShape="1">
+          <a:blip r:embed="rId2">
+            <a:extLst>
+              <a:ext uri="{28A0092B-C50C-407E-A947-70E740481C1C}">
+                <a14:useLocalDpi xmlns:a14="http://schemas.microsoft.com/office/drawing/2010/main" val="0"/>
+              </a:ext>
+            </a:extLst>
+          </a:blip>
+          <a:srcRect l="-2" t="1" r="44962" b="34796"/>
+          <a:stretch/>
+        </p:blipFill>
+        <p:spPr>
+          <a:xfrm>
+            <a:off x="9478991" y="4051884"/>
+            <a:ext cx="2713009" cy="2806116"/>
+          </a:xfrm>
+          <a:prstGeom prst="rect">
+            <a:avLst/>
+          </a:prstGeom>
+          <a:effectLst>
+            <a:glow>
+              <a:schemeClr val="tx1">
+                <a:alpha val="0"/>
+              </a:schemeClr>
+            </a:glow>
+          </a:effectLst>
+        </p:spPr>
+      </p:pic>
+      <p:sp>
+        <p:nvSpPr>
+          <p:cNvPr id="2" name="Título 1">
+            <a:extLst>
+              <a:ext uri="{FF2B5EF4-FFF2-40B4-BE49-F238E27FC236}">
+                <a16:creationId xmlns:a16="http://schemas.microsoft.com/office/drawing/2014/main" id="{54AE30EA-47CA-6E5D-490B-0C3DCD80DAE2}"/>
+              </a:ext>
+            </a:extLst>
+          </p:cNvPr>
+          <p:cNvSpPr>
+            <a:spLocks noGrp="1"/>
+          </p:cNvSpPr>
+          <p:nvPr>
+            <p:ph type="ctrTitle"/>
+          </p:nvPr>
+        </p:nvSpPr>
+        <p:spPr>
+          <a:xfrm>
+            <a:off x="3355464" y="894585"/>
+            <a:ext cx="6094823" cy="913412"/>
+          </a:xfrm>
+        </p:spPr>
+        <p:txBody>
+          <a:bodyPr>
+            <a:normAutofit fontScale="90000"/>
+          </a:bodyPr>
+          <a:lstStyle/>
+          <a:p>
+            <a:r>
+              <a:rPr lang="es-ES" dirty="0">
+                <a:latin typeface="Montserrat" panose="00000500000000000000" pitchFamily="2" charset="0"/>
+              </a:rPr>
+              <a:t>Exámenes</a:t>
+            </a:r>
+          </a:p>
+        </p:txBody>
+      </p:sp>
+      <p:sp>
+        <p:nvSpPr>
+          <p:cNvPr id="3" name="Subtítulo 2">
+            <a:extLst>
+              <a:ext uri="{FF2B5EF4-FFF2-40B4-BE49-F238E27FC236}">
+                <a16:creationId xmlns:a16="http://schemas.microsoft.com/office/drawing/2014/main" id="{7A154B18-06A7-4048-44EB-105BB6F288C7}"/>
+              </a:ext>
+            </a:extLst>
+          </p:cNvPr>
+          <p:cNvSpPr>
+            <a:spLocks noGrp="1"/>
+          </p:cNvSpPr>
+          <p:nvPr>
+            <p:ph type="subTitle" idx="1"/>
+          </p:nvPr>
+        </p:nvSpPr>
+        <p:spPr>
+          <a:xfrm>
+            <a:off x="3184301" y="3568483"/>
+            <a:ext cx="6437151" cy="483401"/>
+          </a:xfrm>
+        </p:spPr>
+        <p:txBody>
+          <a:bodyPr/>
+          <a:lstStyle/>
+          <a:p>
+            <a:r>
+              <a:rPr lang="es-ES" dirty="0">
+                <a:latin typeface="Montserrat" panose="00000500000000000000" pitchFamily="2" charset="0"/>
+              </a:rPr>
+              <a:t>Dinámica y modalidad   </a:t>
+            </a:r>
+          </a:p>
+        </p:txBody>
+      </p:sp>
+      <p:sp>
+        <p:nvSpPr>
+          <p:cNvPr id="6" name="Rectángulo 5">
+            <a:extLst>
+              <a:ext uri="{FF2B5EF4-FFF2-40B4-BE49-F238E27FC236}">
+                <a16:creationId xmlns:a16="http://schemas.microsoft.com/office/drawing/2014/main" id="{84ABC74B-2119-5EF5-C5FB-3889434C63BF}"/>
+              </a:ext>
+            </a:extLst>
+          </p:cNvPr>
+          <p:cNvSpPr/>
+          <p:nvPr/>
+        </p:nvSpPr>
+        <p:spPr>
+          <a:xfrm>
+            <a:off x="2" y="1"/>
+            <a:ext cx="805342" cy="6858000"/>
+          </a:xfrm>
+          <a:prstGeom prst="rect">
+            <a:avLst/>
+          </a:prstGeom>
+          <a:solidFill>
+            <a:schemeClr val="tx1"/>
+          </a:solidFill>
+          <a:ln>
+            <a:solidFill>
+              <a:schemeClr val="tx1"/>
+            </a:solidFill>
+          </a:ln>
+        </p:spPr>
+        <p:style>
+          <a:lnRef idx="2">
+            <a:schemeClr val="accent1">
+              <a:shade val="50000"/>
+            </a:schemeClr>
+          </a:lnRef>
+          <a:fillRef idx="1">
+            <a:schemeClr val="accent1"/>
+          </a:fillRef>
+          <a:effectRef idx="0">
+            <a:schemeClr val="accent1"/>
+          </a:effectRef>
+          <a:fontRef idx="minor">
+            <a:schemeClr val="lt1"/>
+          </a:fontRef>
+        </p:style>
+        <p:txBody>
+          <a:bodyPr rtlCol="0" anchor="ctr"/>
+          <a:lstStyle/>
+          <a:p>
+            <a:pPr algn="ctr"/>
+            <a:endParaRPr lang="es-ES" dirty="0"/>
+          </a:p>
+        </p:txBody>
+      </p:sp>
+      <p:pic>
+        <p:nvPicPr>
+          <p:cNvPr id="11" name="Imagen 10">
+            <a:extLst>
+              <a:ext uri="{FF2B5EF4-FFF2-40B4-BE49-F238E27FC236}">
+                <a16:creationId xmlns:a16="http://schemas.microsoft.com/office/drawing/2014/main" id="{141D14A7-AC65-173D-3953-162319462846}"/>
+              </a:ext>
+            </a:extLst>
+          </p:cNvPr>
+          <p:cNvPicPr>
+            <a:picLocks noChangeAspect="1"/>
+          </p:cNvPicPr>
+          <p:nvPr/>
+        </p:nvPicPr>
+        <p:blipFill>
+          <a:blip r:embed="rId3"/>
+          <a:stretch>
+            <a:fillRect/>
+          </a:stretch>
+        </p:blipFill>
+        <p:spPr>
+          <a:xfrm>
+            <a:off x="6096000" y="6109304"/>
+            <a:ext cx="616700" cy="621634"/>
+          </a:xfrm>
+          <a:prstGeom prst="rect">
+            <a:avLst/>
+          </a:prstGeom>
+        </p:spPr>
+      </p:pic>
+      <p:sp>
+        <p:nvSpPr>
+          <p:cNvPr id="12" name="CuadroTexto 11">
+            <a:extLst>
+              <a:ext uri="{FF2B5EF4-FFF2-40B4-BE49-F238E27FC236}">
+                <a16:creationId xmlns:a16="http://schemas.microsoft.com/office/drawing/2014/main" id="{CC8C9B91-D892-C2AE-9AD0-6AC21B840D89}"/>
+              </a:ext>
+            </a:extLst>
+          </p:cNvPr>
+          <p:cNvSpPr txBox="1"/>
+          <p:nvPr/>
+        </p:nvSpPr>
+        <p:spPr>
+          <a:xfrm rot="16200000">
+            <a:off x="11182301" y="575201"/>
+            <a:ext cx="1182848" cy="369332"/>
+          </a:xfrm>
+          <a:prstGeom prst="rect">
+            <a:avLst/>
+          </a:prstGeom>
+          <a:noFill/>
+        </p:spPr>
+        <p:txBody>
+          <a:bodyPr wrap="square" rtlCol="0">
+            <a:spAutoFit/>
+          </a:bodyPr>
+          <a:lstStyle/>
+          <a:p>
+            <a:pPr algn="ctr"/>
+            <a:r>
+              <a:rPr lang="es-ES" dirty="0">
+                <a:latin typeface="Montserrat" panose="00000500000000000000" pitchFamily="2" charset="0"/>
+              </a:rPr>
+              <a:t>M U V A</a:t>
+            </a:r>
+          </a:p>
+        </p:txBody>
+      </p:sp>
+    </p:spTree>
+    <p:extLst>
+      <p:ext uri="{BB962C8B-B14F-4D97-AF65-F5344CB8AC3E}">
+        <p14:creationId xmlns:p14="http://schemas.microsoft.com/office/powerpoint/2010/main" val="2874398820"/>
+      </p:ext>
+    </p:extLst>
+  </p:cSld>
+  <p:clrMapOvr>
+    <a:masterClrMapping/>
+  </p:clrMapOvr>
+  <p:timing>
+    <p:tnLst>
+      <p:par>
+        <p:cTn id="1" dur="indefinite" restart="never" nodeType="tmRoot">
+          <p:childTnLst>
+            <p:seq concurrent="1" nextAc="seek">
+              <p:cTn id="2" dur="indefinite" nodeType="mainSeq">
+                <p:childTnLst>
+                  <p:par>
+                    <p:cTn id="3" fill="hold">
+                      <p:stCondLst>
+                        <p:cond delay="indefinite"/>
+                      </p:stCondLst>
+                      <p:childTnLst>
+                        <p:par>
+                          <p:cTn id="4" fill="hold">
+                            <p:stCondLst>
+                              <p:cond delay="0"/>
+                            </p:stCondLst>
+                            <p:childTnLst>
+                              <p:par>
+                                <p:cTn id="5" presetID="10" presetClass="entr" presetSubtype="0" fill="hold" nodeType="clickEffect">
+                                  <p:stCondLst>
+                                    <p:cond delay="0"/>
+                                  </p:stCondLst>
+                                  <p:childTnLst>
+                                    <p:set>
+                                      <p:cBhvr>
+                                        <p:cTn id="6" dur="1" fill="hold">
+                                          <p:stCondLst>
+                                            <p:cond delay="0"/>
+                                          </p:stCondLst>
+                                        </p:cTn>
+                                        <p:tgtEl>
+                                          <p:spTgt spid="8"/>
+                                        </p:tgtEl>
+                                        <p:attrNameLst>
+                                          <p:attrName>style.visibility</p:attrName>
+                                        </p:attrNameLst>
+                                      </p:cBhvr>
+                                      <p:to>
+                                        <p:strVal val="visible"/>
+                                      </p:to>
+                                    </p:set>
+                                    <p:animEffect transition="in" filter="fade">
+                                      <p:cBhvr>
+                                        <p:cTn id="7" dur="500"/>
+                                        <p:tgtEl>
+                                          <p:spTgt spid="8"/>
+                                        </p:tgtEl>
+                                      </p:cBhvr>
+                                    </p:animEffect>
+                                  </p:childTnLst>
+                                </p:cTn>
+                              </p:par>
+                            </p:childTnLst>
+                          </p:cTn>
+                        </p:par>
+                      </p:childTnLst>
+                    </p:cTn>
+                  </p:par>
+                </p:childTnLst>
+              </p:cTn>
+              <p:prevCondLst>
+                <p:cond evt="onPrev" delay="0">
+                  <p:tgtEl>
+                    <p:sldTgt/>
+                  </p:tgtEl>
+                </p:cond>
+              </p:prevCondLst>
+              <p:nextCondLst>
+                <p:cond evt="onNext" delay="0">
+                  <p:tgtEl>
+                    <p:sldTgt/>
+                  </p:tgtEl>
+                </p:cond>
+              </p:nextCondLst>
+            </p:seq>
+          </p:childTnLst>
+        </p:cTn>
+      </p:par>
+    </p:tnLst>
+  </p:timing>
+</p:sld>
+</file>
+
+<file path=ppt/slides/slide12.xml><?xml version="1.0" encoding="utf-8"?>
+<p:sld xmlns:a="http://schemas.openxmlformats.org/drawingml/2006/main" xmlns:r="http://schemas.openxmlformats.org/officeDocument/2006/relationships" xmlns:p="http://schemas.openxmlformats.org/presentationml/2006/main">
+  <p:cSld>
+    <p:spTree>
+      <p:nvGrpSpPr>
+        <p:cNvPr id="1" name=""/>
+        <p:cNvGrpSpPr/>
+        <p:nvPr/>
+      </p:nvGrpSpPr>
+      <p:grpSpPr>
+        <a:xfrm>
+          <a:off x="0" y="0"/>
+          <a:ext cx="0" cy="0"/>
+          <a:chOff x="0" y="0"/>
+          <a:chExt cx="0" cy="0"/>
+        </a:xfrm>
+      </p:grpSpPr>
+      <p:sp>
+        <p:nvSpPr>
+          <p:cNvPr id="2" name="Título 1">
+            <a:extLst>
+              <a:ext uri="{FF2B5EF4-FFF2-40B4-BE49-F238E27FC236}">
+                <a16:creationId xmlns:a16="http://schemas.microsoft.com/office/drawing/2014/main" id="{B47D3FB5-D46D-41AA-8998-B725F5A54205}"/>
+              </a:ext>
+            </a:extLst>
+          </p:cNvPr>
+          <p:cNvSpPr>
+            <a:spLocks noGrp="1"/>
+          </p:cNvSpPr>
+          <p:nvPr>
+            <p:ph type="title"/>
+          </p:nvPr>
+        </p:nvSpPr>
+        <p:spPr/>
+        <p:txBody>
+          <a:bodyPr/>
+          <a:lstStyle/>
+          <a:p>
+            <a:pPr algn="ctr"/>
+            <a:r>
+              <a:rPr lang="es-ES" dirty="0">
+                <a:latin typeface="Montserrat" pitchFamily="2" charset="0"/>
+              </a:rPr>
+              <a:t>Modalidad y horarios</a:t>
+            </a:r>
+          </a:p>
+        </p:txBody>
+      </p:sp>
+      <p:sp>
+        <p:nvSpPr>
+          <p:cNvPr id="3" name="Marcador de contenido 2">
+            <a:extLst>
+              <a:ext uri="{FF2B5EF4-FFF2-40B4-BE49-F238E27FC236}">
+                <a16:creationId xmlns:a16="http://schemas.microsoft.com/office/drawing/2014/main" id="{5CCEA263-9EAA-0CFD-3A31-1A3635435525}"/>
+              </a:ext>
+            </a:extLst>
+          </p:cNvPr>
+          <p:cNvSpPr>
+            <a:spLocks noGrp="1"/>
+          </p:cNvSpPr>
+          <p:nvPr>
+            <p:ph idx="1"/>
+          </p:nvPr>
+        </p:nvSpPr>
+        <p:spPr>
+          <a:xfrm>
+            <a:off x="2612136" y="1908084"/>
+            <a:ext cx="4245864" cy="542671"/>
+          </a:xfrm>
+        </p:spPr>
+        <p:txBody>
+          <a:bodyPr/>
+          <a:lstStyle/>
+          <a:p>
+            <a:pPr marL="0" indent="0">
+              <a:buNone/>
+            </a:pPr>
+            <a:r>
+              <a:rPr lang="es-ES" b="1" dirty="0">
+                <a:solidFill>
+                  <a:srgbClr val="C00000"/>
+                </a:solidFill>
+                <a:latin typeface="Montserrat" pitchFamily="2" charset="0"/>
+              </a:rPr>
+              <a:t>Examen</a:t>
+            </a:r>
+            <a:r>
+              <a:rPr lang="es-ES" b="1" dirty="0">
+                <a:latin typeface="Montserrat" pitchFamily="2" charset="0"/>
+              </a:rPr>
+              <a:t> </a:t>
+            </a:r>
+          </a:p>
+        </p:txBody>
+      </p:sp>
+      <p:sp>
+        <p:nvSpPr>
+          <p:cNvPr id="4" name="CuadroTexto 3">
+            <a:extLst>
+              <a:ext uri="{FF2B5EF4-FFF2-40B4-BE49-F238E27FC236}">
+                <a16:creationId xmlns:a16="http://schemas.microsoft.com/office/drawing/2014/main" id="{944C9367-0755-93F4-6160-82BCBBD457DF}"/>
+              </a:ext>
+            </a:extLst>
+          </p:cNvPr>
+          <p:cNvSpPr txBox="1"/>
+          <p:nvPr/>
+        </p:nvSpPr>
+        <p:spPr>
+          <a:xfrm>
+            <a:off x="2612136" y="2513418"/>
+            <a:ext cx="6574536" cy="2031325"/>
+          </a:xfrm>
+          <a:prstGeom prst="rect">
+            <a:avLst/>
+          </a:prstGeom>
+          <a:noFill/>
+        </p:spPr>
+        <p:txBody>
+          <a:bodyPr wrap="square" rtlCol="0">
+            <a:spAutoFit/>
+          </a:bodyPr>
+          <a:lstStyle/>
+          <a:p>
+            <a:r>
+              <a:rPr lang="es-ES" dirty="0">
+                <a:solidFill>
+                  <a:schemeClr val="bg2">
+                    <a:lumMod val="25000"/>
+                  </a:schemeClr>
+                </a:solidFill>
+                <a:latin typeface="Montserrat" pitchFamily="2" charset="0"/>
+              </a:rPr>
+              <a:t>Actualmente realizaremos los exámenes de manera </a:t>
+            </a:r>
+            <a:r>
+              <a:rPr lang="es-ES" b="1" dirty="0">
+                <a:solidFill>
+                  <a:schemeClr val="bg2">
+                    <a:lumMod val="25000"/>
+                  </a:schemeClr>
+                </a:solidFill>
+                <a:latin typeface="Montserrat" pitchFamily="2" charset="0"/>
+              </a:rPr>
+              <a:t>remota</a:t>
+            </a:r>
+            <a:r>
+              <a:rPr lang="es-ES" dirty="0">
+                <a:solidFill>
+                  <a:schemeClr val="bg2">
+                    <a:lumMod val="25000"/>
+                  </a:schemeClr>
+                </a:solidFill>
+                <a:latin typeface="Montserrat" pitchFamily="2" charset="0"/>
+              </a:rPr>
+              <a:t>.</a:t>
+            </a:r>
+          </a:p>
+          <a:p>
+            <a:r>
+              <a:rPr lang="es-ES" dirty="0">
+                <a:solidFill>
+                  <a:schemeClr val="bg2">
+                    <a:lumMod val="25000"/>
+                  </a:schemeClr>
+                </a:solidFill>
+                <a:latin typeface="Montserrat" pitchFamily="2" charset="0"/>
+              </a:rPr>
+              <a:t>Las fechas de exámenes serán a fin de cada mes, y sus rangos horarios serán comprendidos entre </a:t>
+            </a:r>
+            <a:r>
+              <a:rPr lang="es-ES" b="1" dirty="0">
+                <a:solidFill>
+                  <a:schemeClr val="bg2">
+                    <a:lumMod val="25000"/>
+                  </a:schemeClr>
+                </a:solidFill>
+                <a:latin typeface="Montserrat" pitchFamily="2" charset="0"/>
+              </a:rPr>
+              <a:t>mañana – tarde – noche</a:t>
+            </a:r>
+            <a:r>
+              <a:rPr lang="es-ES" dirty="0">
+                <a:solidFill>
+                  <a:schemeClr val="bg2">
+                    <a:lumMod val="25000"/>
+                  </a:schemeClr>
+                </a:solidFill>
+                <a:latin typeface="Montserrat" pitchFamily="2" charset="0"/>
+              </a:rPr>
+              <a:t>.</a:t>
+            </a:r>
+          </a:p>
+          <a:p>
+            <a:r>
+              <a:rPr lang="es-ES" dirty="0">
+                <a:solidFill>
+                  <a:schemeClr val="bg2">
+                    <a:lumMod val="25000"/>
+                  </a:schemeClr>
+                </a:solidFill>
+                <a:latin typeface="Montserrat" pitchFamily="2" charset="0"/>
+              </a:rPr>
+              <a:t>Estas fechas y horarios se publicaran de manera especifica en nuestro espacio de </a:t>
+            </a:r>
+            <a:r>
+              <a:rPr lang="es-ES" b="1" dirty="0" err="1">
+                <a:solidFill>
+                  <a:schemeClr val="bg2">
+                    <a:lumMod val="25000"/>
+                  </a:schemeClr>
+                </a:solidFill>
+                <a:latin typeface="Montserrat" pitchFamily="2" charset="0"/>
+              </a:rPr>
+              <a:t>Slack</a:t>
+            </a:r>
+            <a:r>
+              <a:rPr lang="es-ES" dirty="0">
+                <a:solidFill>
+                  <a:schemeClr val="bg2">
+                    <a:lumMod val="25000"/>
+                  </a:schemeClr>
+                </a:solidFill>
+                <a:latin typeface="Montserrat" pitchFamily="2" charset="0"/>
+              </a:rPr>
+              <a:t>.</a:t>
+            </a:r>
+          </a:p>
+        </p:txBody>
+      </p:sp>
+      <p:sp>
+        <p:nvSpPr>
+          <p:cNvPr id="5" name="Rectángulo 4">
+            <a:extLst>
+              <a:ext uri="{FF2B5EF4-FFF2-40B4-BE49-F238E27FC236}">
+                <a16:creationId xmlns:a16="http://schemas.microsoft.com/office/drawing/2014/main" id="{27AD5C18-892C-A3BC-5D24-5C8628F08F2E}"/>
+              </a:ext>
+            </a:extLst>
+          </p:cNvPr>
+          <p:cNvSpPr/>
+          <p:nvPr/>
+        </p:nvSpPr>
+        <p:spPr>
+          <a:xfrm>
+            <a:off x="0" y="0"/>
+            <a:ext cx="805342" cy="6858000"/>
+          </a:xfrm>
+          <a:prstGeom prst="rect">
+            <a:avLst/>
+          </a:prstGeom>
+          <a:solidFill>
+            <a:schemeClr val="tx1"/>
+          </a:solidFill>
+          <a:ln>
+            <a:solidFill>
+              <a:schemeClr val="tx1"/>
+            </a:solidFill>
+          </a:ln>
+        </p:spPr>
+        <p:style>
+          <a:lnRef idx="2">
+            <a:schemeClr val="accent1">
+              <a:shade val="50000"/>
+            </a:schemeClr>
+          </a:lnRef>
+          <a:fillRef idx="1">
+            <a:schemeClr val="accent1"/>
+          </a:fillRef>
+          <a:effectRef idx="0">
+            <a:schemeClr val="accent1"/>
+          </a:effectRef>
+          <a:fontRef idx="minor">
+            <a:schemeClr val="lt1"/>
+          </a:fontRef>
+        </p:style>
+        <p:txBody>
+          <a:bodyPr rtlCol="0" anchor="ctr"/>
+          <a:lstStyle/>
+          <a:p>
+            <a:pPr algn="ctr"/>
+            <a:endParaRPr lang="es-ES"/>
+          </a:p>
+        </p:txBody>
+      </p:sp>
+      <p:sp>
+        <p:nvSpPr>
+          <p:cNvPr id="7" name="CuadroTexto 6">
+            <a:extLst>
+              <a:ext uri="{FF2B5EF4-FFF2-40B4-BE49-F238E27FC236}">
+                <a16:creationId xmlns:a16="http://schemas.microsoft.com/office/drawing/2014/main" id="{AE6D1410-4E21-CE21-4D99-C602D59359C1}"/>
+              </a:ext>
+            </a:extLst>
+          </p:cNvPr>
+          <p:cNvSpPr txBox="1"/>
+          <p:nvPr/>
+        </p:nvSpPr>
+        <p:spPr>
+          <a:xfrm rot="16200000">
+            <a:off x="8937236" y="5969881"/>
+            <a:ext cx="6094476" cy="369332"/>
+          </a:xfrm>
+          <a:prstGeom prst="rect">
+            <a:avLst/>
+          </a:prstGeom>
+          <a:noFill/>
+        </p:spPr>
+        <p:txBody>
+          <a:bodyPr wrap="square">
+            <a:spAutoFit/>
+          </a:bodyPr>
+          <a:lstStyle/>
+          <a:p>
+            <a:pPr algn="ctr"/>
+            <a:r>
+              <a:rPr lang="es-ES" dirty="0">
+                <a:latin typeface="Montserrat" panose="00000500000000000000" pitchFamily="2" charset="0"/>
+              </a:rPr>
+              <a:t>M U V A</a:t>
+            </a:r>
+          </a:p>
+        </p:txBody>
+      </p:sp>
+    </p:spTree>
+    <p:extLst>
+      <p:ext uri="{BB962C8B-B14F-4D97-AF65-F5344CB8AC3E}">
+        <p14:creationId xmlns:p14="http://schemas.microsoft.com/office/powerpoint/2010/main" val="4052823195"/>
+      </p:ext>
+    </p:extLst>
+  </p:cSld>
+  <p:clrMapOvr>
+    <a:masterClrMapping/>
+  </p:clrMapOvr>
+</p:sld>
+</file>
+
+<file path=ppt/slides/slide13.xml><?xml version="1.0" encoding="utf-8"?>
+<p:sld xmlns:a="http://schemas.openxmlformats.org/drawingml/2006/main" xmlns:r="http://schemas.openxmlformats.org/officeDocument/2006/relationships" xmlns:p="http://schemas.openxmlformats.org/presentationml/2006/main">
+  <p:cSld>
+    <p:spTree>
+      <p:nvGrpSpPr>
+        <p:cNvPr id="1" name=""/>
+        <p:cNvGrpSpPr/>
+        <p:nvPr/>
+      </p:nvGrpSpPr>
+      <p:grpSpPr>
+        <a:xfrm>
+          <a:off x="0" y="0"/>
+          <a:ext cx="0" cy="0"/>
+          <a:chOff x="0" y="0"/>
+          <a:chExt cx="0" cy="0"/>
+        </a:xfrm>
+      </p:grpSpPr>
+      <p:sp>
+        <p:nvSpPr>
+          <p:cNvPr id="2" name="Título 1">
+            <a:extLst>
+              <a:ext uri="{FF2B5EF4-FFF2-40B4-BE49-F238E27FC236}">
+                <a16:creationId xmlns:a16="http://schemas.microsoft.com/office/drawing/2014/main" id="{B47D3FB5-D46D-41AA-8998-B725F5A54205}"/>
+              </a:ext>
+            </a:extLst>
+          </p:cNvPr>
+          <p:cNvSpPr>
+            <a:spLocks noGrp="1"/>
+          </p:cNvSpPr>
+          <p:nvPr>
+            <p:ph type="title"/>
+          </p:nvPr>
+        </p:nvSpPr>
+        <p:spPr/>
+        <p:txBody>
+          <a:bodyPr/>
+          <a:lstStyle/>
+          <a:p>
+            <a:pPr algn="ctr"/>
+            <a:r>
+              <a:rPr lang="es-ES" dirty="0">
+                <a:latin typeface="Montserrat" pitchFamily="2" charset="0"/>
+              </a:rPr>
+              <a:t>Dinámica </a:t>
+            </a:r>
+          </a:p>
+        </p:txBody>
+      </p:sp>
+      <p:sp>
+        <p:nvSpPr>
+          <p:cNvPr id="3" name="Marcador de contenido 2">
+            <a:extLst>
+              <a:ext uri="{FF2B5EF4-FFF2-40B4-BE49-F238E27FC236}">
+                <a16:creationId xmlns:a16="http://schemas.microsoft.com/office/drawing/2014/main" id="{5CCEA263-9EAA-0CFD-3A31-1A3635435525}"/>
+              </a:ext>
+            </a:extLst>
+          </p:cNvPr>
+          <p:cNvSpPr>
+            <a:spLocks noGrp="1"/>
+          </p:cNvSpPr>
+          <p:nvPr>
+            <p:ph idx="1"/>
+          </p:nvPr>
+        </p:nvSpPr>
+        <p:spPr>
+          <a:xfrm>
+            <a:off x="2612136" y="1908084"/>
+            <a:ext cx="4245864" cy="542671"/>
+          </a:xfrm>
+        </p:spPr>
+        <p:txBody>
+          <a:bodyPr/>
+          <a:lstStyle/>
+          <a:p>
+            <a:pPr marL="0" indent="0">
+              <a:buNone/>
+            </a:pPr>
+            <a:r>
+              <a:rPr lang="es-ES" b="1" dirty="0">
+                <a:solidFill>
+                  <a:srgbClr val="C00000"/>
+                </a:solidFill>
+                <a:latin typeface="Montserrat" pitchFamily="2" charset="0"/>
+              </a:rPr>
+              <a:t>Examen</a:t>
+            </a:r>
+            <a:r>
+              <a:rPr lang="es-ES" b="1" dirty="0">
+                <a:latin typeface="Montserrat" pitchFamily="2" charset="0"/>
+              </a:rPr>
+              <a:t> </a:t>
+            </a:r>
+          </a:p>
+        </p:txBody>
+      </p:sp>
+      <p:sp>
+        <p:nvSpPr>
+          <p:cNvPr id="4" name="CuadroTexto 3">
+            <a:extLst>
+              <a:ext uri="{FF2B5EF4-FFF2-40B4-BE49-F238E27FC236}">
+                <a16:creationId xmlns:a16="http://schemas.microsoft.com/office/drawing/2014/main" id="{944C9367-0755-93F4-6160-82BCBBD457DF}"/>
+              </a:ext>
+            </a:extLst>
+          </p:cNvPr>
+          <p:cNvSpPr txBox="1"/>
+          <p:nvPr/>
+        </p:nvSpPr>
+        <p:spPr>
+          <a:xfrm>
+            <a:off x="2612136" y="2513418"/>
+            <a:ext cx="6574536" cy="2585323"/>
+          </a:xfrm>
+          <a:prstGeom prst="rect">
+            <a:avLst/>
+          </a:prstGeom>
+          <a:noFill/>
+        </p:spPr>
+        <p:txBody>
+          <a:bodyPr wrap="square" rtlCol="0">
+            <a:spAutoFit/>
+          </a:bodyPr>
+          <a:lstStyle/>
+          <a:p>
+            <a:r>
+              <a:rPr lang="es-ES" dirty="0">
+                <a:solidFill>
+                  <a:schemeClr val="bg2">
+                    <a:lumMod val="25000"/>
+                  </a:schemeClr>
+                </a:solidFill>
+                <a:latin typeface="Montserrat" pitchFamily="2" charset="0"/>
+              </a:rPr>
+              <a:t>Les daremos un repositorio privado en GitHub con la estructura base de una aplicación y la URL (y su documentación) de la API a consumir.</a:t>
+            </a:r>
+          </a:p>
+          <a:p>
+            <a:r>
+              <a:rPr lang="es-ES" dirty="0">
+                <a:solidFill>
+                  <a:schemeClr val="bg2">
+                    <a:lumMod val="25000"/>
+                  </a:schemeClr>
+                </a:solidFill>
+                <a:latin typeface="Montserrat" pitchFamily="2" charset="0"/>
+              </a:rPr>
+              <a:t>Los exámenes tendrán diferentes desafíos técnicos los cuales deberán traducirlos en código. Por </a:t>
+            </a:r>
+            <a:r>
+              <a:rPr lang="es-ES" dirty="0" err="1">
+                <a:solidFill>
+                  <a:schemeClr val="bg2">
+                    <a:lumMod val="25000"/>
+                  </a:schemeClr>
+                </a:solidFill>
+                <a:latin typeface="Montserrat" pitchFamily="2" charset="0"/>
+              </a:rPr>
+              <a:t>Ej</a:t>
+            </a:r>
+            <a:r>
+              <a:rPr lang="es-ES" dirty="0">
+                <a:solidFill>
+                  <a:schemeClr val="bg2">
+                    <a:lumMod val="25000"/>
+                  </a:schemeClr>
+                </a:solidFill>
+                <a:latin typeface="Montserrat" pitchFamily="2" charset="0"/>
+              </a:rPr>
+              <a:t>:</a:t>
+            </a:r>
+          </a:p>
+          <a:p>
+            <a:endParaRPr lang="es-ES" dirty="0">
+              <a:solidFill>
+                <a:schemeClr val="bg2">
+                  <a:lumMod val="25000"/>
+                </a:schemeClr>
+              </a:solidFill>
+              <a:latin typeface="Montserrat" pitchFamily="2" charset="0"/>
+            </a:endParaRPr>
+          </a:p>
+          <a:p>
+            <a:r>
+              <a:rPr lang="es-ES" dirty="0">
+                <a:solidFill>
+                  <a:schemeClr val="bg2">
+                    <a:lumMod val="25000"/>
+                  </a:schemeClr>
+                </a:solidFill>
+                <a:latin typeface="Montserrat" pitchFamily="2" charset="0"/>
+              </a:rPr>
+              <a:t>1- El cliente especifica que ningún usuario podrá registrarse con GMAIL.</a:t>
+            </a:r>
+          </a:p>
+          <a:p>
+            <a:endParaRPr lang="es-ES" dirty="0">
+              <a:solidFill>
+                <a:schemeClr val="bg2">
+                  <a:lumMod val="25000"/>
+                </a:schemeClr>
+              </a:solidFill>
+              <a:latin typeface="Montserrat" pitchFamily="2" charset="0"/>
+            </a:endParaRPr>
+          </a:p>
+        </p:txBody>
+      </p:sp>
+      <p:sp>
+        <p:nvSpPr>
+          <p:cNvPr id="5" name="Rectángulo 4">
+            <a:extLst>
+              <a:ext uri="{FF2B5EF4-FFF2-40B4-BE49-F238E27FC236}">
+                <a16:creationId xmlns:a16="http://schemas.microsoft.com/office/drawing/2014/main" id="{27AD5C18-892C-A3BC-5D24-5C8628F08F2E}"/>
+              </a:ext>
+            </a:extLst>
+          </p:cNvPr>
+          <p:cNvSpPr/>
+          <p:nvPr/>
+        </p:nvSpPr>
+        <p:spPr>
+          <a:xfrm>
+            <a:off x="0" y="0"/>
+            <a:ext cx="805342" cy="6858000"/>
+          </a:xfrm>
+          <a:prstGeom prst="rect">
+            <a:avLst/>
+          </a:prstGeom>
+          <a:solidFill>
+            <a:schemeClr val="tx1"/>
+          </a:solidFill>
+          <a:ln>
+            <a:solidFill>
+              <a:schemeClr val="tx1"/>
+            </a:solidFill>
+          </a:ln>
+        </p:spPr>
+        <p:style>
+          <a:lnRef idx="2">
+            <a:schemeClr val="accent1">
+              <a:shade val="50000"/>
+            </a:schemeClr>
+          </a:lnRef>
+          <a:fillRef idx="1">
+            <a:schemeClr val="accent1"/>
+          </a:fillRef>
+          <a:effectRef idx="0">
+            <a:schemeClr val="accent1"/>
+          </a:effectRef>
+          <a:fontRef idx="minor">
+            <a:schemeClr val="lt1"/>
+          </a:fontRef>
+        </p:style>
+        <p:txBody>
+          <a:bodyPr rtlCol="0" anchor="ctr"/>
+          <a:lstStyle/>
+          <a:p>
+            <a:pPr algn="ctr"/>
+            <a:endParaRPr lang="es-ES"/>
+          </a:p>
+        </p:txBody>
+      </p:sp>
+      <p:sp>
+        <p:nvSpPr>
+          <p:cNvPr id="7" name="CuadroTexto 6">
+            <a:extLst>
+              <a:ext uri="{FF2B5EF4-FFF2-40B4-BE49-F238E27FC236}">
+                <a16:creationId xmlns:a16="http://schemas.microsoft.com/office/drawing/2014/main" id="{AE6D1410-4E21-CE21-4D99-C602D59359C1}"/>
+              </a:ext>
+            </a:extLst>
+          </p:cNvPr>
+          <p:cNvSpPr txBox="1"/>
+          <p:nvPr/>
+        </p:nvSpPr>
+        <p:spPr>
+          <a:xfrm rot="16200000">
+            <a:off x="8937236" y="5969881"/>
+            <a:ext cx="6094476" cy="369332"/>
+          </a:xfrm>
+          <a:prstGeom prst="rect">
+            <a:avLst/>
+          </a:prstGeom>
+          <a:noFill/>
+        </p:spPr>
+        <p:txBody>
+          <a:bodyPr wrap="square">
+            <a:spAutoFit/>
+          </a:bodyPr>
+          <a:lstStyle/>
+          <a:p>
+            <a:pPr algn="ctr"/>
+            <a:r>
+              <a:rPr lang="es-ES" dirty="0">
+                <a:latin typeface="Montserrat" panose="00000500000000000000" pitchFamily="2" charset="0"/>
+              </a:rPr>
+              <a:t>M U V A</a:t>
+            </a:r>
+          </a:p>
+        </p:txBody>
+      </p:sp>
+      <p:pic>
+        <p:nvPicPr>
+          <p:cNvPr id="10" name="Imagen 9">
+            <a:extLst>
+              <a:ext uri="{FF2B5EF4-FFF2-40B4-BE49-F238E27FC236}">
+                <a16:creationId xmlns:a16="http://schemas.microsoft.com/office/drawing/2014/main" id="{E62009F8-1FD3-E6E0-DB5F-DF120C68D325}"/>
+              </a:ext>
+            </a:extLst>
+          </p:cNvPr>
+          <p:cNvPicPr>
+            <a:picLocks noChangeAspect="1"/>
+          </p:cNvPicPr>
+          <p:nvPr/>
+        </p:nvPicPr>
+        <p:blipFill>
+          <a:blip r:embed="rId2">
+            <a:extLst>
+              <a:ext uri="{28A0092B-C50C-407E-A947-70E740481C1C}">
+                <a14:useLocalDpi xmlns:a14="http://schemas.microsoft.com/office/drawing/2010/main" val="0"/>
+              </a:ext>
+            </a:extLst>
+          </a:blip>
+          <a:stretch>
+            <a:fillRect/>
+          </a:stretch>
+        </p:blipFill>
+        <p:spPr>
+          <a:xfrm>
+            <a:off x="2693180" y="4881562"/>
+            <a:ext cx="4895850" cy="1343025"/>
+          </a:xfrm>
+          <a:prstGeom prst="rect">
+            <a:avLst/>
+          </a:prstGeom>
+        </p:spPr>
+      </p:pic>
+    </p:spTree>
+    <p:extLst>
+      <p:ext uri="{BB962C8B-B14F-4D97-AF65-F5344CB8AC3E}">
+        <p14:creationId xmlns:p14="http://schemas.microsoft.com/office/powerpoint/2010/main" val="2205904711"/>
+      </p:ext>
+    </p:extLst>
+  </p:cSld>
+  <p:clrMapOvr>
+    <a:masterClrMapping/>
+  </p:clrMapOvr>
+</p:sld>
+</file>
+
+<file path=ppt/slides/slide14.xml><?xml version="1.0" encoding="utf-8"?>
+<p:sld xmlns:a="http://schemas.openxmlformats.org/drawingml/2006/main" xmlns:r="http://schemas.openxmlformats.org/officeDocument/2006/relationships" xmlns:p="http://schemas.openxmlformats.org/presentationml/2006/main">
+  <p:cSld>
+    <p:spTree>
+      <p:nvGrpSpPr>
+        <p:cNvPr id="1" name=""/>
+        <p:cNvGrpSpPr/>
+        <p:nvPr/>
+      </p:nvGrpSpPr>
+      <p:grpSpPr>
+        <a:xfrm>
+          <a:off x="0" y="0"/>
+          <a:ext cx="0" cy="0"/>
+          <a:chOff x="0" y="0"/>
+          <a:chExt cx="0" cy="0"/>
+        </a:xfrm>
+      </p:grpSpPr>
+      <p:sp>
+        <p:nvSpPr>
+          <p:cNvPr id="3" name="Marcador de contenido 2">
+            <a:extLst>
+              <a:ext uri="{FF2B5EF4-FFF2-40B4-BE49-F238E27FC236}">
+                <a16:creationId xmlns:a16="http://schemas.microsoft.com/office/drawing/2014/main" id="{5CCEA263-9EAA-0CFD-3A31-1A3635435525}"/>
+              </a:ext>
+            </a:extLst>
+          </p:cNvPr>
+          <p:cNvSpPr>
+            <a:spLocks noGrp="1"/>
+          </p:cNvSpPr>
+          <p:nvPr>
+            <p:ph idx="1"/>
+          </p:nvPr>
+        </p:nvSpPr>
+        <p:spPr>
+          <a:xfrm>
+            <a:off x="2612136" y="1908084"/>
+            <a:ext cx="4245864" cy="542671"/>
+          </a:xfrm>
+        </p:spPr>
+        <p:txBody>
+          <a:bodyPr/>
+          <a:lstStyle/>
+          <a:p>
+            <a:pPr marL="0" indent="0">
+              <a:buNone/>
+            </a:pPr>
+            <a:r>
+              <a:rPr lang="es-ES" b="1" dirty="0">
+                <a:latin typeface="Montserrat" pitchFamily="2" charset="0"/>
+              </a:rPr>
+              <a:t> </a:t>
+            </a:r>
+          </a:p>
+        </p:txBody>
+      </p:sp>
+      <p:sp>
+        <p:nvSpPr>
+          <p:cNvPr id="4" name="CuadroTexto 3">
+            <a:extLst>
+              <a:ext uri="{FF2B5EF4-FFF2-40B4-BE49-F238E27FC236}">
+                <a16:creationId xmlns:a16="http://schemas.microsoft.com/office/drawing/2014/main" id="{944C9367-0755-93F4-6160-82BCBBD457DF}"/>
+              </a:ext>
+            </a:extLst>
+          </p:cNvPr>
+          <p:cNvSpPr txBox="1"/>
+          <p:nvPr/>
+        </p:nvSpPr>
+        <p:spPr>
+          <a:xfrm>
+            <a:off x="2612136" y="1296593"/>
+            <a:ext cx="6574536" cy="3970318"/>
+          </a:xfrm>
+          <a:prstGeom prst="rect">
+            <a:avLst/>
+          </a:prstGeom>
+          <a:noFill/>
+        </p:spPr>
+        <p:txBody>
+          <a:bodyPr wrap="square" rtlCol="0">
+            <a:spAutoFit/>
+          </a:bodyPr>
+          <a:lstStyle/>
+          <a:p>
+            <a:r>
+              <a:rPr lang="es-ES" dirty="0">
+                <a:solidFill>
+                  <a:schemeClr val="bg2">
+                    <a:lumMod val="25000"/>
+                  </a:schemeClr>
+                </a:solidFill>
+                <a:latin typeface="Montserrat" pitchFamily="2" charset="0"/>
+              </a:rPr>
+              <a:t>Cada desafío tendrá un valor propio en base a la dificultad de la misma. </a:t>
+            </a:r>
+          </a:p>
+          <a:p>
+            <a:r>
+              <a:rPr lang="es-ES" dirty="0">
+                <a:solidFill>
+                  <a:schemeClr val="bg2">
+                    <a:lumMod val="25000"/>
+                  </a:schemeClr>
+                </a:solidFill>
+                <a:latin typeface="Montserrat" pitchFamily="2" charset="0"/>
+              </a:rPr>
+              <a:t>La resolución de cada una podrá ser diferente en base a la manera de desarrollar de cada alumno.</a:t>
+            </a:r>
+          </a:p>
+          <a:p>
+            <a:endParaRPr lang="es-ES" dirty="0">
+              <a:solidFill>
+                <a:schemeClr val="bg2">
+                  <a:lumMod val="25000"/>
+                </a:schemeClr>
+              </a:solidFill>
+              <a:latin typeface="Montserrat" pitchFamily="2" charset="0"/>
+            </a:endParaRPr>
+          </a:p>
+          <a:p>
+            <a:endParaRPr lang="es-ES" b="1" dirty="0">
+              <a:solidFill>
+                <a:schemeClr val="bg2">
+                  <a:lumMod val="25000"/>
+                </a:schemeClr>
+              </a:solidFill>
+              <a:latin typeface="Montserrat" pitchFamily="2" charset="0"/>
+            </a:endParaRPr>
+          </a:p>
+          <a:p>
+            <a:r>
+              <a:rPr lang="es-ES" b="1" dirty="0">
+                <a:solidFill>
+                  <a:schemeClr val="bg2">
+                    <a:lumMod val="25000"/>
+                  </a:schemeClr>
+                </a:solidFill>
+                <a:latin typeface="Montserrat" pitchFamily="2" charset="0"/>
+              </a:rPr>
+              <a:t>SE RECOMIENDA: </a:t>
+            </a:r>
+            <a:r>
+              <a:rPr lang="es-ES" dirty="0">
+                <a:solidFill>
+                  <a:schemeClr val="bg2">
+                    <a:lumMod val="25000"/>
+                  </a:schemeClr>
+                </a:solidFill>
+                <a:latin typeface="Montserrat" pitchFamily="2" charset="0"/>
+              </a:rPr>
+              <a:t> estar 10 minutos antes al inicio del examen para clonar el repositorio y/o prevenir cualquier error posible.</a:t>
+            </a:r>
+            <a:endParaRPr lang="es-ES" b="1" dirty="0">
+              <a:solidFill>
+                <a:schemeClr val="bg2">
+                  <a:lumMod val="25000"/>
+                </a:schemeClr>
+              </a:solidFill>
+              <a:latin typeface="Montserrat" pitchFamily="2" charset="0"/>
+            </a:endParaRPr>
+          </a:p>
+          <a:p>
+            <a:r>
+              <a:rPr lang="es-ES" dirty="0">
+                <a:solidFill>
+                  <a:schemeClr val="bg2">
+                    <a:lumMod val="25000"/>
+                  </a:schemeClr>
+                </a:solidFill>
+                <a:latin typeface="Montserrat" pitchFamily="2" charset="0"/>
+              </a:rPr>
+              <a:t>Cada alumno deberá resolver el examen en el plazo de tiempo del mismo.</a:t>
+            </a:r>
+          </a:p>
+          <a:p>
+            <a:endParaRPr lang="es-ES" dirty="0">
+              <a:solidFill>
+                <a:schemeClr val="bg2">
+                  <a:lumMod val="25000"/>
+                </a:schemeClr>
+              </a:solidFill>
+              <a:latin typeface="Montserrat" pitchFamily="2" charset="0"/>
+            </a:endParaRPr>
+          </a:p>
+          <a:p>
+            <a:r>
+              <a:rPr lang="es-ES" b="1" dirty="0">
+                <a:solidFill>
+                  <a:schemeClr val="bg2">
+                    <a:lumMod val="25000"/>
+                  </a:schemeClr>
+                </a:solidFill>
+                <a:latin typeface="Montserrat" pitchFamily="2" charset="0"/>
+              </a:rPr>
+              <a:t>Aclaración:</a:t>
+            </a:r>
+            <a:r>
+              <a:rPr lang="es-ES" dirty="0">
+                <a:solidFill>
+                  <a:schemeClr val="bg2">
+                    <a:lumMod val="25000"/>
+                  </a:schemeClr>
+                </a:solidFill>
+                <a:latin typeface="Montserrat" pitchFamily="2" charset="0"/>
+              </a:rPr>
+              <a:t> NO será necesario que estén conectados a un </a:t>
+            </a:r>
+            <a:r>
+              <a:rPr lang="es-ES" dirty="0" err="1">
+                <a:solidFill>
+                  <a:schemeClr val="bg2">
+                    <a:lumMod val="25000"/>
+                  </a:schemeClr>
+                </a:solidFill>
+                <a:latin typeface="Montserrat" pitchFamily="2" charset="0"/>
+              </a:rPr>
+              <a:t>meet</a:t>
+            </a:r>
+            <a:r>
+              <a:rPr lang="es-ES" dirty="0">
+                <a:solidFill>
+                  <a:schemeClr val="bg2">
+                    <a:lumMod val="25000"/>
+                  </a:schemeClr>
+                </a:solidFill>
+                <a:latin typeface="Montserrat" pitchFamily="2" charset="0"/>
+              </a:rPr>
+              <a:t> para realizar el mismo.</a:t>
+            </a:r>
+            <a:endParaRPr lang="es-ES" b="1" dirty="0">
+              <a:solidFill>
+                <a:schemeClr val="bg2">
+                  <a:lumMod val="25000"/>
+                </a:schemeClr>
+              </a:solidFill>
+              <a:latin typeface="Montserrat" pitchFamily="2" charset="0"/>
+            </a:endParaRPr>
+          </a:p>
+        </p:txBody>
+      </p:sp>
+      <p:sp>
+        <p:nvSpPr>
+          <p:cNvPr id="5" name="Rectángulo 4">
+            <a:extLst>
+              <a:ext uri="{FF2B5EF4-FFF2-40B4-BE49-F238E27FC236}">
+                <a16:creationId xmlns:a16="http://schemas.microsoft.com/office/drawing/2014/main" id="{27AD5C18-892C-A3BC-5D24-5C8628F08F2E}"/>
+              </a:ext>
+            </a:extLst>
+          </p:cNvPr>
+          <p:cNvSpPr/>
+          <p:nvPr/>
+        </p:nvSpPr>
+        <p:spPr>
+          <a:xfrm>
+            <a:off x="0" y="0"/>
+            <a:ext cx="805342" cy="6858000"/>
+          </a:xfrm>
+          <a:prstGeom prst="rect">
+            <a:avLst/>
+          </a:prstGeom>
+          <a:solidFill>
+            <a:schemeClr val="tx1"/>
+          </a:solidFill>
+          <a:ln>
+            <a:solidFill>
+              <a:schemeClr val="tx1"/>
+            </a:solidFill>
+          </a:ln>
+        </p:spPr>
+        <p:style>
+          <a:lnRef idx="2">
+            <a:schemeClr val="accent1">
+              <a:shade val="50000"/>
+            </a:schemeClr>
+          </a:lnRef>
+          <a:fillRef idx="1">
+            <a:schemeClr val="accent1"/>
+          </a:fillRef>
+          <a:effectRef idx="0">
+            <a:schemeClr val="accent1"/>
+          </a:effectRef>
+          <a:fontRef idx="minor">
+            <a:schemeClr val="lt1"/>
+          </a:fontRef>
+        </p:style>
+        <p:txBody>
+          <a:bodyPr rtlCol="0" anchor="ctr"/>
+          <a:lstStyle/>
+          <a:p>
+            <a:pPr algn="ctr"/>
+            <a:endParaRPr lang="es-ES"/>
+          </a:p>
+        </p:txBody>
+      </p:sp>
+      <p:sp>
+        <p:nvSpPr>
+          <p:cNvPr id="7" name="CuadroTexto 6">
+            <a:extLst>
+              <a:ext uri="{FF2B5EF4-FFF2-40B4-BE49-F238E27FC236}">
+                <a16:creationId xmlns:a16="http://schemas.microsoft.com/office/drawing/2014/main" id="{AE6D1410-4E21-CE21-4D99-C602D59359C1}"/>
+              </a:ext>
+            </a:extLst>
+          </p:cNvPr>
+          <p:cNvSpPr txBox="1"/>
+          <p:nvPr/>
+        </p:nvSpPr>
+        <p:spPr>
+          <a:xfrm rot="16200000">
+            <a:off x="8937236" y="5969881"/>
+            <a:ext cx="6094476" cy="369332"/>
+          </a:xfrm>
+          <a:prstGeom prst="rect">
+            <a:avLst/>
+          </a:prstGeom>
+          <a:noFill/>
+        </p:spPr>
+        <p:txBody>
+          <a:bodyPr wrap="square">
+            <a:spAutoFit/>
+          </a:bodyPr>
+          <a:lstStyle/>
+          <a:p>
+            <a:pPr algn="ctr"/>
+            <a:r>
+              <a:rPr lang="es-ES" dirty="0">
+                <a:latin typeface="Montserrat" panose="00000500000000000000" pitchFamily="2" charset="0"/>
+              </a:rPr>
+              <a:t>M U V A</a:t>
+            </a:r>
+          </a:p>
+        </p:txBody>
+      </p:sp>
+    </p:spTree>
+    <p:extLst>
+      <p:ext uri="{BB962C8B-B14F-4D97-AF65-F5344CB8AC3E}">
+        <p14:creationId xmlns:p14="http://schemas.microsoft.com/office/powerpoint/2010/main" val="1465439187"/>
       </p:ext>
     </p:extLst>
   </p:cSld>

--- a/cursos/Muva React.pptx
+++ b/cursos/Muva React.pptx
@@ -236,7 +236,7 @@
           <a:p>
             <a:fld id="{D9FCC3FB-36DE-4DC6-A2F3-17EB041C194F}" type="datetimeFigureOut">
               <a:rPr lang="es-ES" smtClean="0"/>
-              <a:t>17/10/2022</a:t>
+              <a:t>09/11/2022</a:t>
             </a:fld>
             <a:endParaRPr lang="es-ES"/>
           </a:p>
@@ -734,7 +734,7 @@
           <a:p>
             <a:fld id="{E8007819-2BD5-497B-A974-B250CE37EE8F}" type="datetimeFigureOut">
               <a:rPr lang="es-ES" smtClean="0"/>
-              <a:t>17/10/2022</a:t>
+              <a:t>09/11/2022</a:t>
             </a:fld>
             <a:endParaRPr lang="es-ES"/>
           </a:p>
@@ -932,7 +932,7 @@
           <a:p>
             <a:fld id="{E8007819-2BD5-497B-A974-B250CE37EE8F}" type="datetimeFigureOut">
               <a:rPr lang="es-ES" smtClean="0"/>
-              <a:t>17/10/2022</a:t>
+              <a:t>09/11/2022</a:t>
             </a:fld>
             <a:endParaRPr lang="es-ES"/>
           </a:p>
@@ -1140,7 +1140,7 @@
           <a:p>
             <a:fld id="{E8007819-2BD5-497B-A974-B250CE37EE8F}" type="datetimeFigureOut">
               <a:rPr lang="es-ES" smtClean="0"/>
-              <a:t>17/10/2022</a:t>
+              <a:t>09/11/2022</a:t>
             </a:fld>
             <a:endParaRPr lang="es-ES"/>
           </a:p>
@@ -1338,7 +1338,7 @@
           <a:p>
             <a:fld id="{E8007819-2BD5-497B-A974-B250CE37EE8F}" type="datetimeFigureOut">
               <a:rPr lang="es-ES" smtClean="0"/>
-              <a:t>17/10/2022</a:t>
+              <a:t>09/11/2022</a:t>
             </a:fld>
             <a:endParaRPr lang="es-ES"/>
           </a:p>
@@ -1613,7 +1613,7 @@
           <a:p>
             <a:fld id="{E8007819-2BD5-497B-A974-B250CE37EE8F}" type="datetimeFigureOut">
               <a:rPr lang="es-ES" smtClean="0"/>
-              <a:t>17/10/2022</a:t>
+              <a:t>09/11/2022</a:t>
             </a:fld>
             <a:endParaRPr lang="es-ES"/>
           </a:p>
@@ -1878,7 +1878,7 @@
           <a:p>
             <a:fld id="{E8007819-2BD5-497B-A974-B250CE37EE8F}" type="datetimeFigureOut">
               <a:rPr lang="es-ES" smtClean="0"/>
-              <a:t>17/10/2022</a:t>
+              <a:t>09/11/2022</a:t>
             </a:fld>
             <a:endParaRPr lang="es-ES"/>
           </a:p>
@@ -2290,7 +2290,7 @@
           <a:p>
             <a:fld id="{E8007819-2BD5-497B-A974-B250CE37EE8F}" type="datetimeFigureOut">
               <a:rPr lang="es-ES" smtClean="0"/>
-              <a:t>17/10/2022</a:t>
+              <a:t>09/11/2022</a:t>
             </a:fld>
             <a:endParaRPr lang="es-ES"/>
           </a:p>
@@ -2431,7 +2431,7 @@
           <a:p>
             <a:fld id="{E8007819-2BD5-497B-A974-B250CE37EE8F}" type="datetimeFigureOut">
               <a:rPr lang="es-ES" smtClean="0"/>
-              <a:t>17/10/2022</a:t>
+              <a:t>09/11/2022</a:t>
             </a:fld>
             <a:endParaRPr lang="es-ES"/>
           </a:p>
@@ -2544,7 +2544,7 @@
           <a:p>
             <a:fld id="{E8007819-2BD5-497B-A974-B250CE37EE8F}" type="datetimeFigureOut">
               <a:rPr lang="es-ES" smtClean="0"/>
-              <a:t>17/10/2022</a:t>
+              <a:t>09/11/2022</a:t>
             </a:fld>
             <a:endParaRPr lang="es-ES"/>
           </a:p>
@@ -2855,7 +2855,7 @@
           <a:p>
             <a:fld id="{E8007819-2BD5-497B-A974-B250CE37EE8F}" type="datetimeFigureOut">
               <a:rPr lang="es-ES" smtClean="0"/>
-              <a:t>17/10/2022</a:t>
+              <a:t>09/11/2022</a:t>
             </a:fld>
             <a:endParaRPr lang="es-ES"/>
           </a:p>
@@ -3143,7 +3143,7 @@
           <a:p>
             <a:fld id="{E8007819-2BD5-497B-A974-B250CE37EE8F}" type="datetimeFigureOut">
               <a:rPr lang="es-ES" smtClean="0"/>
-              <a:t>17/10/2022</a:t>
+              <a:t>09/11/2022</a:t>
             </a:fld>
             <a:endParaRPr lang="es-ES"/>
           </a:p>
@@ -3384,7 +3384,7 @@
           <a:p>
             <a:fld id="{E8007819-2BD5-497B-A974-B250CE37EE8F}" type="datetimeFigureOut">
               <a:rPr lang="es-ES" smtClean="0"/>
-              <a:t>17/10/2022</a:t>
+              <a:t>09/11/2022</a:t>
             </a:fld>
             <a:endParaRPr lang="es-ES"/>
           </a:p>
@@ -3944,14 +3944,11 @@
           <a:lstStyle/>
           <a:p>
             <a:r>
-              <a:rPr lang="es-ES" sz="4400" b="1" dirty="0" err="1">
+              <a:rPr lang="es-ES" sz="4400" b="1" dirty="0">
                 <a:latin typeface="Montserrat" panose="020B0604020202020204" pitchFamily="2" charset="0"/>
               </a:rPr>
               <a:t>React</a:t>
             </a:r>
-            <a:endParaRPr lang="es-ES" sz="4400" b="1" dirty="0">
-              <a:latin typeface="Montserrat" panose="020B0604020202020204" pitchFamily="2" charset="0"/>
-            </a:endParaRPr>
           </a:p>
         </p:txBody>
       </p:sp>
@@ -5068,10 +5065,10 @@
                 </a:solidFill>
                 <a:latin typeface="Montserrat" pitchFamily="2" charset="0"/>
               </a:rPr>
-              <a:t>Estas fechas y horarios se publicaran de manera especifica en nuestro espacio de </a:t>
-            </a:r>
-            <a:r>
-              <a:rPr lang="es-ES" b="1" dirty="0" err="1">
+              <a:t>Estas fechas y horarios se publicaran de manera específica en nuestro espacio de </a:t>
+            </a:r>
+            <a:r>
+              <a:rPr lang="es-ES" b="1" dirty="0">
                 <a:solidFill>
                   <a:schemeClr val="bg2">
                     <a:lumMod val="25000"/>
@@ -6924,29 +6921,7 @@
                 </a:solidFill>
                 <a:latin typeface="Montserrat" pitchFamily="2" charset="0"/>
               </a:rPr>
-              <a:t>Desarrollarán una SPA (Single Page </a:t>
-            </a:r>
-            <a:r>
-              <a:rPr lang="es-ES" dirty="0" err="1">
-                <a:solidFill>
-                  <a:schemeClr val="bg2">
-                    <a:lumMod val="25000"/>
-                  </a:schemeClr>
-                </a:solidFill>
-                <a:latin typeface="Montserrat" pitchFamily="2" charset="0"/>
-              </a:rPr>
-              <a:t>Application</a:t>
-            </a:r>
-            <a:r>
-              <a:rPr lang="es-ES" dirty="0">
-                <a:solidFill>
-                  <a:schemeClr val="bg2">
-                    <a:lumMod val="25000"/>
-                  </a:schemeClr>
-                </a:solidFill>
-                <a:latin typeface="Montserrat" pitchFamily="2" charset="0"/>
-              </a:rPr>
-              <a:t>) de un e-</a:t>
+              <a:t>Desarrollarán una SPA (Single Page Application) de un e-</a:t>
             </a:r>
             <a:r>
               <a:rPr lang="es-ES" dirty="0" err="1">
@@ -7062,7 +7037,7 @@
               <a:t>Certificación: </a:t>
             </a:r>
             <a:r>
-              <a:rPr lang="es-ES" b="1" dirty="0" err="1">
+              <a:rPr lang="es-ES" b="1" dirty="0">
                 <a:solidFill>
                   <a:schemeClr val="bg2">
                     <a:lumMod val="25000"/>
@@ -7070,18 +7045,7 @@
                 </a:solidFill>
                 <a:latin typeface="Montserrat" pitchFamily="2" charset="0"/>
               </a:rPr>
-              <a:t>ReactJS</a:t>
-            </a:r>
-            <a:r>
-              <a:rPr lang="es-ES" b="1" dirty="0">
-                <a:solidFill>
-                  <a:schemeClr val="bg2">
-                    <a:lumMod val="25000"/>
-                  </a:schemeClr>
-                </a:solidFill>
-                <a:latin typeface="Montserrat" pitchFamily="2" charset="0"/>
-              </a:rPr>
-              <a:t>                  </a:t>
+              <a:t>ReactJS                  </a:t>
             </a:r>
           </a:p>
         </p:txBody>
@@ -7906,14 +7870,17 @@
               </a:rPr>
               <a:t>hs</a:t>
             </a:r>
-            <a:endParaRPr lang="es-ES" dirty="0">
-              <a:solidFill>
-                <a:schemeClr val="bg2">
-                  <a:lumMod val="25000"/>
-                </a:schemeClr>
-              </a:solidFill>
-              <a:latin typeface="Montserrat" pitchFamily="2" charset="0"/>
-            </a:endParaRPr>
+            <a:r>
+              <a:rPr lang="es-ES" dirty="0">
+                <a:solidFill>
+                  <a:schemeClr val="bg2">
+                    <a:lumMod val="25000"/>
+                  </a:schemeClr>
+                </a:solidFill>
+                <a:latin typeface="Montserrat" pitchFamily="2" charset="0"/>
+              </a:rPr>
+              <a:t>.</a:t>
+            </a:r>
           </a:p>
           <a:p>
             <a:pPr marL="285750" indent="-285750">
@@ -8214,7 +8181,7 @@
                 </a:solidFill>
                 <a:latin typeface="Montserrat" panose="00000500000000000000" pitchFamily="2" charset="0"/>
               </a:rPr>
-              <a:t>Crear nuestro primer proyecto</a:t>
+              <a:t>Crear nuestro primer proyecto.</a:t>
             </a:r>
           </a:p>
           <a:p>
@@ -8231,7 +8198,7 @@
                 </a:solidFill>
                 <a:latin typeface="Montserrat" panose="00000500000000000000" pitchFamily="2" charset="0"/>
               </a:rPr>
-              <a:t>Introducción y creación de nuestros primeros componentes</a:t>
+              <a:t>Introducción y creación de nuestros primeros componentes.</a:t>
             </a:r>
           </a:p>
           <a:p>
@@ -8248,7 +8215,7 @@
                 </a:solidFill>
                 <a:latin typeface="Montserrat" panose="00000500000000000000" pitchFamily="2" charset="0"/>
               </a:rPr>
-              <a:t>Como implementar librerías </a:t>
+              <a:t>Como implementar librerías.</a:t>
             </a:r>
           </a:p>
           <a:p>
@@ -8426,7 +8393,7 @@
                 </a:solidFill>
                 <a:latin typeface="Montserrat" panose="00000500000000000000" pitchFamily="2" charset="0"/>
               </a:rPr>
-              <a:t>Renderizando nuestro primer componente</a:t>
+              <a:t>Renderizando nuestro primer componente.</a:t>
             </a:r>
           </a:p>
           <a:p>
@@ -8466,7 +8433,7 @@
                 </a:solidFill>
                 <a:latin typeface="Montserrat" panose="00000500000000000000" pitchFamily="2" charset="0"/>
               </a:rPr>
-              <a:t>Introducción y creación de nuestros primeros componentes</a:t>
+              <a:t>Introducción y creación de nuestros primeros componentes.</a:t>
             </a:r>
           </a:p>
           <a:p>
@@ -8486,29 +8453,7 @@
                 </a:solidFill>
                 <a:latin typeface="Montserrat" panose="00000500000000000000" pitchFamily="2" charset="0"/>
               </a:rPr>
-              <a:t>Que es un Hook? Uso de </a:t>
-            </a:r>
-            <a:r>
-              <a:rPr lang="es-ES" sz="1000" dirty="0" err="1">
-                <a:solidFill>
-                  <a:schemeClr val="bg2">
-                    <a:lumMod val="25000"/>
-                  </a:schemeClr>
-                </a:solidFill>
-                <a:latin typeface="Montserrat" panose="00000500000000000000" pitchFamily="2" charset="0"/>
-              </a:rPr>
-              <a:t>UseState</a:t>
-            </a:r>
-            <a:r>
-              <a:rPr lang="es-ES" sz="1000" dirty="0">
-                <a:solidFill>
-                  <a:schemeClr val="bg2">
-                    <a:lumMod val="25000"/>
-                  </a:schemeClr>
-                </a:solidFill>
-                <a:latin typeface="Montserrat" panose="00000500000000000000" pitchFamily="2" charset="0"/>
-              </a:rPr>
-              <a:t>.</a:t>
+              <a:t>Que es un Hook? Explicación de Hooks.</a:t>
             </a:r>
           </a:p>
         </p:txBody>
@@ -8739,7 +8684,7 @@
                 </a:solidFill>
                 <a:latin typeface="Montserrat" panose="00000500000000000000" pitchFamily="2" charset="0"/>
               </a:rPr>
-              <a:t>Introducción a </a:t>
+              <a:t>Introducción a React – </a:t>
             </a:r>
             <a:r>
               <a:rPr lang="es-ES" sz="1000" dirty="0" err="1">
@@ -8750,7 +8695,7 @@
                 </a:solidFill>
                 <a:latin typeface="Montserrat" panose="00000500000000000000" pitchFamily="2" charset="0"/>
               </a:rPr>
-              <a:t>React</a:t>
+              <a:t>Router</a:t>
             </a:r>
             <a:r>
               <a:rPr lang="es-ES" sz="1000" dirty="0">
@@ -8761,27 +8706,8 @@
                 </a:solidFill>
                 <a:latin typeface="Montserrat" panose="00000500000000000000" pitchFamily="2" charset="0"/>
               </a:rPr>
-              <a:t> – </a:t>
-            </a:r>
-            <a:r>
-              <a:rPr lang="es-ES" sz="1000" dirty="0" err="1">
-                <a:solidFill>
-                  <a:schemeClr val="bg2">
-                    <a:lumMod val="25000"/>
-                  </a:schemeClr>
-                </a:solidFill>
-                <a:latin typeface="Montserrat" panose="00000500000000000000" pitchFamily="2" charset="0"/>
-              </a:rPr>
-              <a:t>Router</a:t>
-            </a:r>
-            <a:endParaRPr lang="es-ES" sz="1000" dirty="0">
-              <a:solidFill>
-                <a:schemeClr val="bg2">
-                  <a:lumMod val="25000"/>
-                </a:schemeClr>
-              </a:solidFill>
-              <a:latin typeface="Montserrat" panose="00000500000000000000" pitchFamily="2" charset="0"/>
-            </a:endParaRPr>
+              <a:t>.</a:t>
+            </a:r>
           </a:p>
           <a:p>
             <a:pPr marL="285750" indent="-285750" algn="l">
@@ -8811,7 +8737,7 @@
                 </a:solidFill>
                 <a:latin typeface="Montserrat" panose="00000500000000000000" pitchFamily="2" charset="0"/>
               </a:rPr>
-              <a:t> nuestros componentes </a:t>
+              <a:t> nuestros componentes.</a:t>
             </a:r>
           </a:p>
           <a:p>
@@ -8831,7 +8757,7 @@
                 </a:solidFill>
                 <a:latin typeface="Montserrat" panose="00000500000000000000" pitchFamily="2" charset="0"/>
               </a:rPr>
-              <a:t>Redireccionamiento entre componentes</a:t>
+              <a:t>Redireccionamiento entre componentes.</a:t>
             </a:r>
           </a:p>
           <a:p>
@@ -8851,7 +8777,7 @@
                 </a:solidFill>
                 <a:latin typeface="Montserrat" panose="00000500000000000000" pitchFamily="2" charset="0"/>
               </a:rPr>
-              <a:t>Navegación a componentes de manera dinámica</a:t>
+              <a:t>Navegación a componentes de manera dinámica.</a:t>
             </a:r>
           </a:p>
           <a:p>
@@ -9128,14 +9054,17 @@
               </a:rPr>
               <a:t>UseEffect</a:t>
             </a:r>
-            <a:endParaRPr lang="es-ES" sz="1000" dirty="0">
-              <a:solidFill>
-                <a:schemeClr val="bg2">
-                  <a:lumMod val="25000"/>
-                </a:schemeClr>
-              </a:solidFill>
-              <a:latin typeface="Montserrat" panose="00000500000000000000" pitchFamily="2" charset="0"/>
-            </a:endParaRPr>
+            <a:r>
+              <a:rPr lang="es-ES" sz="1000" dirty="0">
+                <a:solidFill>
+                  <a:schemeClr val="bg2">
+                    <a:lumMod val="25000"/>
+                  </a:schemeClr>
+                </a:solidFill>
+                <a:latin typeface="Montserrat" panose="00000500000000000000" pitchFamily="2" charset="0"/>
+              </a:rPr>
+              <a:t>.</a:t>
+            </a:r>
           </a:p>
           <a:p>
             <a:pPr marL="285750" indent="-285750" algn="l">
@@ -9176,27 +9105,8 @@
                 </a:solidFill>
                 <a:latin typeface="Montserrat" panose="00000500000000000000" pitchFamily="2" charset="0"/>
               </a:rPr>
-              <a:t> para nuestro primer carrito en </a:t>
-            </a:r>
-            <a:r>
-              <a:rPr lang="es-ES" sz="1000" dirty="0" err="1">
-                <a:solidFill>
-                  <a:schemeClr val="bg2">
-                    <a:lumMod val="25000"/>
-                  </a:schemeClr>
-                </a:solidFill>
-                <a:latin typeface="Montserrat" panose="00000500000000000000" pitchFamily="2" charset="0"/>
-              </a:rPr>
-              <a:t>React</a:t>
-            </a:r>
-            <a:endParaRPr lang="es-ES" sz="1000" dirty="0">
-              <a:solidFill>
-                <a:schemeClr val="bg2">
-                  <a:lumMod val="25000"/>
-                </a:schemeClr>
-              </a:solidFill>
-              <a:latin typeface="Montserrat" panose="00000500000000000000" pitchFamily="2" charset="0"/>
-            </a:endParaRPr>
+              <a:t> para nuestro primer carrito en React.</a:t>
+            </a:r>
           </a:p>
           <a:p>
             <a:pPr marL="285750" indent="-285750" algn="l">
@@ -9355,14 +9265,17 @@
               </a:rPr>
               <a:t>Rendering</a:t>
             </a:r>
-            <a:endParaRPr lang="es-ES" sz="1000" dirty="0">
-              <a:solidFill>
-                <a:schemeClr val="bg2">
-                  <a:lumMod val="25000"/>
-                </a:schemeClr>
-              </a:solidFill>
-              <a:latin typeface="Montserrat" panose="00000500000000000000" pitchFamily="2" charset="0"/>
-            </a:endParaRPr>
+            <a:r>
+              <a:rPr lang="es-ES" sz="1000" dirty="0">
+                <a:solidFill>
+                  <a:schemeClr val="bg2">
+                    <a:lumMod val="25000"/>
+                  </a:schemeClr>
+                </a:solidFill>
+                <a:latin typeface="Montserrat" panose="00000500000000000000" pitchFamily="2" charset="0"/>
+              </a:rPr>
+              <a:t>.</a:t>
+            </a:r>
           </a:p>
           <a:p>
             <a:pPr marL="285750" indent="-285750" algn="l">
